--- a/Weekly Summary/ppt/AI_STUDY_양식.pptx
+++ b/Weekly Summary/ppt/AI_STUDY_양식.pptx
@@ -8,7 +8,7 @@
     <p:sldId id="262" r:id="rId2"/>
     <p:sldId id="256" r:id="rId3"/>
     <p:sldId id="258" r:id="rId4"/>
-    <p:sldId id="259" r:id="rId5"/>
+    <p:sldId id="263" r:id="rId5"/>
     <p:sldId id="261" r:id="rId6"/>
   </p:sldIdLst>
   <p:sldSz cx="12192000" cy="6858000"/>
@@ -303,7 +303,7 @@
           <a:p>
             <a:fld id="{9FAEC624-1F8B-48E9-891F-119048430880}" type="datetimeFigureOut">
               <a:rPr lang="ko-KR" altLang="en-US" smtClean="0"/>
-              <a:t>2022-04-21</a:t>
+              <a:t>2022-04-29</a:t>
             </a:fld>
             <a:endParaRPr lang="ko-KR" altLang="en-US"/>
           </a:p>
@@ -501,7 +501,7 @@
           <a:p>
             <a:fld id="{9FAEC624-1F8B-48E9-891F-119048430880}" type="datetimeFigureOut">
               <a:rPr lang="ko-KR" altLang="en-US" smtClean="0"/>
-              <a:t>2022-04-21</a:t>
+              <a:t>2022-04-29</a:t>
             </a:fld>
             <a:endParaRPr lang="ko-KR" altLang="en-US"/>
           </a:p>
@@ -709,7 +709,7 @@
           <a:p>
             <a:fld id="{9FAEC624-1F8B-48E9-891F-119048430880}" type="datetimeFigureOut">
               <a:rPr lang="ko-KR" altLang="en-US" smtClean="0"/>
-              <a:t>2022-04-21</a:t>
+              <a:t>2022-04-29</a:t>
             </a:fld>
             <a:endParaRPr lang="ko-KR" altLang="en-US"/>
           </a:p>
@@ -907,7 +907,7 @@
           <a:p>
             <a:fld id="{9FAEC624-1F8B-48E9-891F-119048430880}" type="datetimeFigureOut">
               <a:rPr lang="ko-KR" altLang="en-US" smtClean="0"/>
-              <a:t>2022-04-21</a:t>
+              <a:t>2022-04-29</a:t>
             </a:fld>
             <a:endParaRPr lang="ko-KR" altLang="en-US"/>
           </a:p>
@@ -1182,7 +1182,7 @@
           <a:p>
             <a:fld id="{9FAEC624-1F8B-48E9-891F-119048430880}" type="datetimeFigureOut">
               <a:rPr lang="ko-KR" altLang="en-US" smtClean="0"/>
-              <a:t>2022-04-21</a:t>
+              <a:t>2022-04-29</a:t>
             </a:fld>
             <a:endParaRPr lang="ko-KR" altLang="en-US"/>
           </a:p>
@@ -1447,7 +1447,7 @@
           <a:p>
             <a:fld id="{9FAEC624-1F8B-48E9-891F-119048430880}" type="datetimeFigureOut">
               <a:rPr lang="ko-KR" altLang="en-US" smtClean="0"/>
-              <a:t>2022-04-21</a:t>
+              <a:t>2022-04-29</a:t>
             </a:fld>
             <a:endParaRPr lang="ko-KR" altLang="en-US"/>
           </a:p>
@@ -1859,7 +1859,7 @@
           <a:p>
             <a:fld id="{9FAEC624-1F8B-48E9-891F-119048430880}" type="datetimeFigureOut">
               <a:rPr lang="ko-KR" altLang="en-US" smtClean="0"/>
-              <a:t>2022-04-21</a:t>
+              <a:t>2022-04-29</a:t>
             </a:fld>
             <a:endParaRPr lang="ko-KR" altLang="en-US"/>
           </a:p>
@@ -2000,7 +2000,7 @@
           <a:p>
             <a:fld id="{9FAEC624-1F8B-48E9-891F-119048430880}" type="datetimeFigureOut">
               <a:rPr lang="ko-KR" altLang="en-US" smtClean="0"/>
-              <a:t>2022-04-21</a:t>
+              <a:t>2022-04-29</a:t>
             </a:fld>
             <a:endParaRPr lang="ko-KR" altLang="en-US"/>
           </a:p>
@@ -2113,7 +2113,7 @@
           <a:p>
             <a:fld id="{9FAEC624-1F8B-48E9-891F-119048430880}" type="datetimeFigureOut">
               <a:rPr lang="ko-KR" altLang="en-US" smtClean="0"/>
-              <a:t>2022-04-21</a:t>
+              <a:t>2022-04-29</a:t>
             </a:fld>
             <a:endParaRPr lang="ko-KR" altLang="en-US"/>
           </a:p>
@@ -2424,7 +2424,7 @@
           <a:p>
             <a:fld id="{9FAEC624-1F8B-48E9-891F-119048430880}" type="datetimeFigureOut">
               <a:rPr lang="ko-KR" altLang="en-US" smtClean="0"/>
-              <a:t>2022-04-21</a:t>
+              <a:t>2022-04-29</a:t>
             </a:fld>
             <a:endParaRPr lang="ko-KR" altLang="en-US"/>
           </a:p>
@@ -2712,7 +2712,7 @@
           <a:p>
             <a:fld id="{9FAEC624-1F8B-48E9-891F-119048430880}" type="datetimeFigureOut">
               <a:rPr lang="ko-KR" altLang="en-US" smtClean="0"/>
-              <a:t>2022-04-21</a:t>
+              <a:t>2022-04-29</a:t>
             </a:fld>
             <a:endParaRPr lang="ko-KR" altLang="en-US"/>
           </a:p>
@@ -2972,7 +2972,7 @@
           <a:p>
             <a:fld id="{9FAEC624-1F8B-48E9-891F-119048430880}" type="datetimeFigureOut">
               <a:rPr lang="ko-KR" altLang="en-US" smtClean="0"/>
-              <a:t>2022-04-21</a:t>
+              <a:t>2022-04-29</a:t>
             </a:fld>
             <a:endParaRPr lang="ko-KR" altLang="en-US"/>
           </a:p>
@@ -3721,7 +3721,7 @@
                 <a:solidFill>
                   <a:schemeClr val="bg1"/>
                 </a:solidFill>
-                <a:latin typeface="Exo 2 Semi Bold" panose="00000700000000000000" pitchFamily="50" charset="0"/>
+                <a:latin typeface="Exo 2 SemiBold" pitchFamily="2" charset="0"/>
                 <a:ea typeface="나눔스퀘어 Light" panose="020B0600000101010101" pitchFamily="50" charset="-127"/>
               </a:rPr>
               <a:t>S </a:t>
@@ -3731,7 +3731,7 @@
                 <a:solidFill>
                   <a:schemeClr val="bg1"/>
                 </a:solidFill>
-                <a:latin typeface="Exo 2 Semi Bold" panose="00000700000000000000" pitchFamily="50" charset="0"/>
+                <a:latin typeface="Exo 2 SemiBold" pitchFamily="2" charset="0"/>
                 <a:ea typeface="나눔스퀘어 Light" panose="020B0600000101010101" pitchFamily="50" charset="-127"/>
               </a:rPr>
               <a:t>I</a:t>
@@ -3741,7 +3741,7 @@
                 <a:solidFill>
                   <a:schemeClr val="bg1"/>
                 </a:solidFill>
-                <a:latin typeface="Exo 2 Semi Bold" panose="00000700000000000000" pitchFamily="50" charset="0"/>
+                <a:latin typeface="Exo 2 SemiBold" pitchFamily="2" charset="0"/>
                 <a:ea typeface="나눔스퀘어 Light" panose="020B0600000101010101" pitchFamily="50" charset="-127"/>
               </a:rPr>
               <a:t> </a:t>
@@ -3751,7 +3751,7 @@
                 <a:solidFill>
                   <a:schemeClr val="bg1"/>
                 </a:solidFill>
-                <a:latin typeface="Exo 2 Semi Bold" panose="00000700000000000000" pitchFamily="50" charset="0"/>
+                <a:latin typeface="Exo 2 SemiBold" pitchFamily="2" charset="0"/>
                 <a:ea typeface="나눔스퀘어 Light" panose="020B0600000101010101" pitchFamily="50" charset="-127"/>
               </a:rPr>
               <a:t>O R</a:t>
@@ -3760,7 +3760,7 @@
               <a:solidFill>
                 <a:schemeClr val="bg1"/>
               </a:solidFill>
-              <a:latin typeface="Exo 2 Semi Bold" panose="00000700000000000000" pitchFamily="50" charset="0"/>
+              <a:latin typeface="Exo 2 SemiBold" pitchFamily="2" charset="0"/>
               <a:ea typeface="나눔스퀘어 Light" panose="020B0600000101010101" pitchFamily="50" charset="-127"/>
             </a:endParaRPr>
           </a:p>
@@ -3891,28 +3891,35 @@
               <a:t>년  </a:t>
             </a:r>
             <a:r>
-              <a:rPr lang="en-US" altLang="ko-KR" sz="2000" dirty="0">
+              <a:rPr lang="en-US" altLang="ko-KR" sz="2000" dirty="0" smtClean="0">
                 <a:latin typeface="나눔스퀘어 Light" panose="020B0600000101010101" pitchFamily="50" charset="-127"/>
                 <a:ea typeface="나눔스퀘어 Light" panose="020B0600000101010101" pitchFamily="50" charset="-127"/>
               </a:rPr>
-              <a:t>04</a:t>
-            </a:r>
-            <a:r>
-              <a:rPr lang="ko-KR" altLang="en-US" sz="2000" dirty="0">
+              <a:t>05</a:t>
+            </a:r>
+            <a:r>
+              <a:rPr lang="ko-KR" altLang="en-US" sz="2000" dirty="0" smtClean="0">
                 <a:latin typeface="나눔스퀘어 Light" panose="020B0600000101010101" pitchFamily="50" charset="-127"/>
                 <a:ea typeface="나눔스퀘어 Light" panose="020B0600000101010101" pitchFamily="50" charset="-127"/>
               </a:rPr>
               <a:t>월</a:t>
             </a:r>
             <a:r>
-              <a:rPr lang="en-US" altLang="ko-KR" sz="2000" dirty="0">
+              <a:rPr lang="en-US" altLang="ko-KR" sz="2000" dirty="0" smtClean="0">
                 <a:latin typeface="나눔스퀘어 Light" panose="020B0600000101010101" pitchFamily="50" charset="-127"/>
                 <a:ea typeface="나눔스퀘어 Light" panose="020B0600000101010101" pitchFamily="50" charset="-127"/>
               </a:rPr>
-              <a:t>  21</a:t>
-            </a:r>
-            <a:r>
-              <a:rPr lang="ko-KR" altLang="en-US" sz="2000" dirty="0">
+              <a:t>  </a:t>
+            </a:r>
+            <a:r>
+              <a:rPr lang="en-US" altLang="ko-KR" sz="2000" dirty="0" smtClean="0">
+                <a:latin typeface="나눔스퀘어 Light" panose="020B0600000101010101" pitchFamily="50" charset="-127"/>
+                <a:ea typeface="나눔스퀘어 Light" panose="020B0600000101010101" pitchFamily="50" charset="-127"/>
+              </a:rPr>
+              <a:t>00</a:t>
+            </a:r>
+            <a:r>
+              <a:rPr lang="ko-KR" altLang="en-US" sz="2000" dirty="0" smtClean="0">
                 <a:latin typeface="나눔스퀘어 Light" panose="020B0600000101010101" pitchFamily="50" charset="-127"/>
                 <a:ea typeface="나눔스퀘어 Light" panose="020B0600000101010101" pitchFamily="50" charset="-127"/>
               </a:rPr>
@@ -4060,7 +4067,7 @@
                 <a:solidFill>
                   <a:srgbClr val="003FBC"/>
                 </a:solidFill>
-                <a:latin typeface="Exo 2 Semi Bold" panose="00000700000000000000" pitchFamily="50" charset="0"/>
+                <a:latin typeface="Exo 2 SemiBold" pitchFamily="2" charset="0"/>
                 <a:ea typeface="나눔스퀘어 Light" panose="020B0600000101010101" pitchFamily="50" charset="-127"/>
               </a:rPr>
               <a:t>AI</a:t>
@@ -4069,7 +4076,7 @@
               <a:solidFill>
                 <a:srgbClr val="003FBC"/>
               </a:solidFill>
-              <a:latin typeface="Exo 2 Semi Bold" panose="00000700000000000000" pitchFamily="50" charset="0"/>
+              <a:latin typeface="Exo 2 SemiBold" pitchFamily="2" charset="0"/>
               <a:ea typeface="나눔스퀘어 Light" panose="020B0600000101010101" pitchFamily="50" charset="-127"/>
             </a:endParaRPr>
           </a:p>
@@ -4133,11 +4140,11 @@
           <a:lstStyle/>
           <a:p>
             <a:r>
-              <a:rPr lang="ko-KR" altLang="en-US" sz="2800" dirty="0" err="1">
+              <a:rPr lang="en-US" altLang="ko-KR" sz="2800" dirty="0" smtClean="0">
                 <a:latin typeface="나눔스퀘어라운드 Light" panose="020B0600000101010101" pitchFamily="50" charset="-127"/>
                 <a:ea typeface="나눔스퀘어라운드 Light" panose="020B0600000101010101" pitchFamily="50" charset="-127"/>
               </a:rPr>
-              <a:t>마이크로컨트롤러</a:t>
+              <a:t>1</a:t>
             </a:r>
             <a:endParaRPr lang="en-US" altLang="ko-KR" sz="2800" dirty="0">
               <a:latin typeface="나눔스퀘어라운드 Light" panose="020B0600000101010101" pitchFamily="50" charset="-127"/>
@@ -4160,7 +4167,7 @@
         </p:nvSpPr>
         <p:spPr>
           <a:xfrm>
-            <a:off x="6440207" y="1915181"/>
+            <a:off x="6440207" y="1985521"/>
             <a:ext cx="3609484" cy="523220"/>
           </a:xfrm>
           <a:prstGeom prst="rect">
@@ -4174,11 +4181,11 @@
           <a:lstStyle/>
           <a:p>
             <a:r>
-              <a:rPr lang="ko-KR" altLang="en-US" sz="2800" dirty="0">
+              <a:rPr lang="en-US" altLang="ko-KR" sz="2800" dirty="0" smtClean="0">
                 <a:latin typeface="나눔스퀘어라운드 Light" panose="020B0600000101010101" pitchFamily="50" charset="-127"/>
                 <a:ea typeface="나눔스퀘어라운드 Light" panose="020B0600000101010101" pitchFamily="50" charset="-127"/>
               </a:rPr>
-              <a:t>메모리</a:t>
+              <a:t>2</a:t>
             </a:r>
             <a:endParaRPr lang="en-US" altLang="ko-KR" sz="2800" dirty="0">
               <a:latin typeface="나눔스퀘어라운드 Light" panose="020B0600000101010101" pitchFamily="50" charset="-127"/>
@@ -4201,7 +4208,7 @@
         </p:nvSpPr>
         <p:spPr>
           <a:xfrm>
-            <a:off x="6440207" y="2793925"/>
+            <a:off x="6440207" y="2934605"/>
             <a:ext cx="3156639" cy="523220"/>
           </a:xfrm>
           <a:prstGeom prst="rect">
@@ -4215,48 +4222,11 @@
           <a:lstStyle/>
           <a:p>
             <a:r>
-              <a:rPr lang="en-US" altLang="ko-KR" sz="2800" dirty="0">
+              <a:rPr lang="en-US" altLang="ko-KR" sz="2800" dirty="0" smtClean="0">
                 <a:latin typeface="나눔스퀘어라운드 Light" panose="020B0600000101010101" pitchFamily="50" charset="-127"/>
                 <a:ea typeface="나눔스퀘어라운드 Light" panose="020B0600000101010101" pitchFamily="50" charset="-127"/>
               </a:rPr>
-              <a:t>ATmega328</a:t>
-            </a:r>
-          </a:p>
-        </p:txBody>
-      </p:sp>
-      <p:sp>
-        <p:nvSpPr>
-          <p:cNvPr id="20" name="직사각형 19">
-            <a:extLst>
-              <a:ext uri="{FF2B5EF4-FFF2-40B4-BE49-F238E27FC236}">
-                <a16:creationId xmlns:a16="http://schemas.microsoft.com/office/drawing/2014/main" id="{500C1491-78F8-493F-9AFC-F2CCBFB5AC33}"/>
-              </a:ext>
-            </a:extLst>
-          </p:cNvPr>
-          <p:cNvSpPr/>
-          <p:nvPr/>
-        </p:nvSpPr>
-        <p:spPr>
-          <a:xfrm>
-            <a:off x="6440207" y="3672671"/>
-            <a:ext cx="3522399" cy="523220"/>
-          </a:xfrm>
-          <a:prstGeom prst="rect">
-            <a:avLst/>
-          </a:prstGeom>
-        </p:spPr>
-        <p:txBody>
-          <a:bodyPr wrap="square">
-            <a:spAutoFit/>
-          </a:bodyPr>
-          <a:lstStyle/>
-          <a:p>
-            <a:r>
-              <a:rPr lang="ko-KR" altLang="en-US" sz="2800" dirty="0">
-                <a:latin typeface="나눔스퀘어라운드 Light" panose="020B0600000101010101" pitchFamily="50" charset="-127"/>
-                <a:ea typeface="나눔스퀘어라운드 Light" panose="020B0600000101010101" pitchFamily="50" charset="-127"/>
-              </a:rPr>
-              <a:t>프로그래밍 준비</a:t>
+              <a:t>3</a:t>
             </a:r>
             <a:endParaRPr lang="en-US" altLang="ko-KR" sz="2800" dirty="0">
               <a:latin typeface="나눔스퀘어라운드 Light" panose="020B0600000101010101" pitchFamily="50" charset="-127"/>
@@ -4267,10 +4237,10 @@
       </p:sp>
       <p:sp>
         <p:nvSpPr>
-          <p:cNvPr id="21" name="직사각형 20">
-            <a:extLst>
-              <a:ext uri="{FF2B5EF4-FFF2-40B4-BE49-F238E27FC236}">
-                <a16:creationId xmlns:a16="http://schemas.microsoft.com/office/drawing/2014/main" id="{8C4DBB0C-E4F8-4094-9719-B6625618A7E4}"/>
+          <p:cNvPr id="20" name="직사각형 19">
+            <a:extLst>
+              <a:ext uri="{FF2B5EF4-FFF2-40B4-BE49-F238E27FC236}">
+                <a16:creationId xmlns:a16="http://schemas.microsoft.com/office/drawing/2014/main" id="{500C1491-78F8-493F-9AFC-F2CCBFB5AC33}"/>
               </a:ext>
             </a:extLst>
           </p:cNvPr>
@@ -4279,8 +4249,8 @@
         </p:nvSpPr>
         <p:spPr>
           <a:xfrm>
-            <a:off x="6440207" y="4551416"/>
-            <a:ext cx="3713987" cy="523220"/>
+            <a:off x="6440207" y="3813351"/>
+            <a:ext cx="3522399" cy="523220"/>
           </a:xfrm>
           <a:prstGeom prst="rect">
             <a:avLst/>
@@ -4293,11 +4263,11 @@
           <a:lstStyle/>
           <a:p>
             <a:r>
-              <a:rPr lang="ko-KR" altLang="en-US" sz="2800" dirty="0">
+              <a:rPr lang="en-US" altLang="ko-KR" sz="2800" dirty="0" smtClean="0">
                 <a:latin typeface="나눔스퀘어라운드 Light" panose="020B0600000101010101" pitchFamily="50" charset="-127"/>
                 <a:ea typeface="나눔스퀘어라운드 Light" panose="020B0600000101010101" pitchFamily="50" charset="-127"/>
               </a:rPr>
-              <a:t>아두이노</a:t>
+              <a:t>4</a:t>
             </a:r>
             <a:endParaRPr lang="en-US" altLang="ko-KR" sz="2800" dirty="0">
               <a:latin typeface="나눔스퀘어라운드 Light" panose="020B0600000101010101" pitchFamily="50" charset="-127"/>
@@ -4372,7 +4342,7 @@
         </p:nvSpPr>
         <p:spPr>
           <a:xfrm>
-            <a:off x="5997235" y="2150899"/>
+            <a:off x="5997235" y="2221239"/>
             <a:ext cx="216000" cy="36000"/>
           </a:xfrm>
           <a:prstGeom prst="rect">
@@ -4424,7 +4394,7 @@
         </p:nvSpPr>
         <p:spPr>
           <a:xfrm>
-            <a:off x="5997235" y="3029644"/>
+            <a:off x="5997235" y="3170324"/>
             <a:ext cx="216000" cy="36000"/>
           </a:xfrm>
           <a:prstGeom prst="rect">
@@ -4476,7 +4446,7 @@
         </p:nvSpPr>
         <p:spPr>
           <a:xfrm>
-            <a:off x="5997235" y="3908389"/>
+            <a:off x="5997235" y="4049069"/>
             <a:ext cx="216000" cy="36000"/>
           </a:xfrm>
           <a:prstGeom prst="rect">
@@ -4516,10 +4486,102 @@
       </p:sp>
       <p:sp>
         <p:nvSpPr>
-          <p:cNvPr id="33" name="직사각형 32">
-            <a:extLst>
-              <a:ext uri="{FF2B5EF4-FFF2-40B4-BE49-F238E27FC236}">
-                <a16:creationId xmlns:a16="http://schemas.microsoft.com/office/drawing/2014/main" id="{2F167ED5-0639-495E-A39F-D185CC2B7D66}"/>
+          <p:cNvPr id="35" name="TextBox 34">
+            <a:extLst>
+              <a:ext uri="{FF2B5EF4-FFF2-40B4-BE49-F238E27FC236}">
+                <a16:creationId xmlns:a16="http://schemas.microsoft.com/office/drawing/2014/main" id="{22DEBD9F-BD21-4917-A2FC-8C351601751B}"/>
+              </a:ext>
+            </a:extLst>
+          </p:cNvPr>
+          <p:cNvSpPr txBox="1"/>
+          <p:nvPr/>
+        </p:nvSpPr>
+        <p:spPr>
+          <a:xfrm>
+            <a:off x="2909117" y="1036438"/>
+            <a:ext cx="2253539" cy="830997"/>
+          </a:xfrm>
+          <a:prstGeom prst="rect">
+            <a:avLst/>
+          </a:prstGeom>
+          <a:noFill/>
+        </p:spPr>
+        <p:txBody>
+          <a:bodyPr wrap="square" rtlCol="0">
+            <a:spAutoFit/>
+          </a:bodyPr>
+          <a:lstStyle/>
+          <a:p>
+            <a:pPr algn="ctr"/>
+            <a:r>
+              <a:rPr lang="ko-KR" altLang="en-US" sz="4800" b="1" spc="100" dirty="0">
+                <a:solidFill>
+                  <a:srgbClr val="003FBC"/>
+                </a:solidFill>
+                <a:latin typeface="나눔스퀘어 Bold" panose="020B0600000101010101" pitchFamily="50" charset="-127"/>
+                <a:ea typeface="나눔스퀘어 Bold" panose="020B0600000101010101" pitchFamily="50" charset="-127"/>
+              </a:rPr>
+              <a:t>목차</a:t>
+            </a:r>
+            <a:endParaRPr lang="ko-KR" altLang="en-US" sz="4800" b="1" spc="-100" dirty="0">
+              <a:solidFill>
+                <a:srgbClr val="003FBC"/>
+              </a:solidFill>
+              <a:latin typeface="나눔스퀘어 Bold" panose="020B0600000101010101" pitchFamily="50" charset="-127"/>
+              <a:ea typeface="나눔스퀘어 Bold" panose="020B0600000101010101" pitchFamily="50" charset="-127"/>
+            </a:endParaRPr>
+          </a:p>
+        </p:txBody>
+      </p:sp>
+      <p:cxnSp>
+        <p:nvCxnSpPr>
+          <p:cNvPr id="41" name="직선 연결선 40">
+            <a:extLst>
+              <a:ext uri="{FF2B5EF4-FFF2-40B4-BE49-F238E27FC236}">
+                <a16:creationId xmlns:a16="http://schemas.microsoft.com/office/drawing/2014/main" id="{0B31B36D-1D35-43CF-B9A4-9AA9CD798C2B}"/>
+              </a:ext>
+            </a:extLst>
+          </p:cNvPr>
+          <p:cNvCxnSpPr>
+            <a:cxnSpLocks/>
+          </p:cNvCxnSpPr>
+          <p:nvPr/>
+        </p:nvCxnSpPr>
+        <p:spPr>
+          <a:xfrm>
+            <a:off x="5247233" y="1036437"/>
+            <a:ext cx="29835" cy="4926708"/>
+          </a:xfrm>
+          <a:prstGeom prst="line">
+            <a:avLst/>
+          </a:prstGeom>
+          <a:ln>
+            <a:solidFill>
+              <a:schemeClr val="tx1"/>
+            </a:solidFill>
+          </a:ln>
+        </p:spPr>
+        <p:style>
+          <a:lnRef idx="1">
+            <a:schemeClr val="accent1"/>
+          </a:lnRef>
+          <a:fillRef idx="0">
+            <a:schemeClr val="accent1"/>
+          </a:fillRef>
+          <a:effectRef idx="0">
+            <a:schemeClr val="accent1"/>
+          </a:effectRef>
+          <a:fontRef idx="minor">
+            <a:schemeClr val="tx1"/>
+          </a:fontRef>
+        </p:style>
+      </p:cxnSp>
+      <p:sp>
+        <p:nvSpPr>
+          <p:cNvPr id="12" name="직사각형 11">
+            <a:extLst>
+              <a:ext uri="{FF2B5EF4-FFF2-40B4-BE49-F238E27FC236}">
+                <a16:creationId xmlns:a16="http://schemas.microsoft.com/office/drawing/2014/main" id="{DEE21E35-5BD7-4A82-B5F3-065EF06EE424}"/>
               </a:ext>
             </a:extLst>
           </p:cNvPr>
@@ -4528,14 +4590,92 @@
         </p:nvSpPr>
         <p:spPr>
           <a:xfrm>
-            <a:off x="5997235" y="4787135"/>
+            <a:off x="6440207" y="4762435"/>
+            <a:ext cx="3156639" cy="523220"/>
+          </a:xfrm>
+          <a:prstGeom prst="rect">
+            <a:avLst/>
+          </a:prstGeom>
+        </p:spPr>
+        <p:txBody>
+          <a:bodyPr wrap="square">
+            <a:spAutoFit/>
+          </a:bodyPr>
+          <a:lstStyle/>
+          <a:p>
+            <a:r>
+              <a:rPr lang="en-US" altLang="ko-KR" sz="2800" dirty="0">
+                <a:latin typeface="나눔스퀘어라운드 Light" panose="020B0600000101010101" pitchFamily="50" charset="-127"/>
+                <a:ea typeface="나눔스퀘어라운드 Light" panose="020B0600000101010101" pitchFamily="50" charset="-127"/>
+              </a:rPr>
+              <a:t>5</a:t>
+            </a:r>
+          </a:p>
+        </p:txBody>
+      </p:sp>
+      <p:sp>
+        <p:nvSpPr>
+          <p:cNvPr id="13" name="직사각형 12">
+            <a:extLst>
+              <a:ext uri="{FF2B5EF4-FFF2-40B4-BE49-F238E27FC236}">
+                <a16:creationId xmlns:a16="http://schemas.microsoft.com/office/drawing/2014/main" id="{500C1491-78F8-493F-9AFC-F2CCBFB5AC33}"/>
+              </a:ext>
+            </a:extLst>
+          </p:cNvPr>
+          <p:cNvSpPr/>
+          <p:nvPr/>
+        </p:nvSpPr>
+        <p:spPr>
+          <a:xfrm>
+            <a:off x="6440207" y="5641181"/>
+            <a:ext cx="3522399" cy="523220"/>
+          </a:xfrm>
+          <a:prstGeom prst="rect">
+            <a:avLst/>
+          </a:prstGeom>
+        </p:spPr>
+        <p:txBody>
+          <a:bodyPr wrap="square">
+            <a:spAutoFit/>
+          </a:bodyPr>
+          <a:lstStyle/>
+          <a:p>
+            <a:r>
+              <a:rPr lang="en-US" altLang="ko-KR" sz="2800" dirty="0" smtClean="0">
+                <a:latin typeface="나눔스퀘어라운드 Light" panose="020B0600000101010101" pitchFamily="50" charset="-127"/>
+                <a:ea typeface="나눔스퀘어라운드 Light" panose="020B0600000101010101" pitchFamily="50" charset="-127"/>
+              </a:rPr>
+              <a:t>6</a:t>
+            </a:r>
+            <a:endParaRPr lang="en-US" altLang="ko-KR" sz="2800" dirty="0">
+              <a:latin typeface="나눔스퀘어라운드 Light" panose="020B0600000101010101" pitchFamily="50" charset="-127"/>
+              <a:ea typeface="나눔스퀘어라운드 Light" panose="020B0600000101010101" pitchFamily="50" charset="-127"/>
+            </a:endParaRPr>
+          </a:p>
+        </p:txBody>
+      </p:sp>
+      <p:sp>
+        <p:nvSpPr>
+          <p:cNvPr id="14" name="직사각형 13">
+            <a:extLst>
+              <a:ext uri="{FF2B5EF4-FFF2-40B4-BE49-F238E27FC236}">
+                <a16:creationId xmlns:a16="http://schemas.microsoft.com/office/drawing/2014/main" id="{90DEABEC-9712-4E8A-833E-E1200230C0DE}"/>
+              </a:ext>
+            </a:extLst>
+          </p:cNvPr>
+          <p:cNvSpPr/>
+          <p:nvPr/>
+        </p:nvSpPr>
+        <p:spPr>
+          <a:xfrm>
+            <a:off x="5997235" y="4998154"/>
             <a:ext cx="216000" cy="36000"/>
           </a:xfrm>
           <a:prstGeom prst="rect">
             <a:avLst/>
           </a:prstGeom>
           <a:solidFill>
-            <a:srgbClr val="002D86"/>
+            <a:srgbClr val="0C58EF"/>
           </a:solidFill>
           <a:ln>
             <a:noFill/>
@@ -4568,10 +4708,10 @@
       </p:sp>
       <p:sp>
         <p:nvSpPr>
-          <p:cNvPr id="34" name="직사각형 33">
-            <a:extLst>
-              <a:ext uri="{FF2B5EF4-FFF2-40B4-BE49-F238E27FC236}">
-                <a16:creationId xmlns:a16="http://schemas.microsoft.com/office/drawing/2014/main" id="{E3436588-A621-4530-A4EA-42DCECCCB740}"/>
+          <p:cNvPr id="15" name="직사각형 14">
+            <a:extLst>
+              <a:ext uri="{FF2B5EF4-FFF2-40B4-BE49-F238E27FC236}">
+                <a16:creationId xmlns:a16="http://schemas.microsoft.com/office/drawing/2014/main" id="{916D9135-1598-493C-B654-B57C9912BCA3}"/>
               </a:ext>
             </a:extLst>
           </p:cNvPr>
@@ -4580,14 +4720,14 @@
         </p:nvSpPr>
         <p:spPr>
           <a:xfrm>
-            <a:off x="5997235" y="5668339"/>
+            <a:off x="5997235" y="5876899"/>
             <a:ext cx="216000" cy="36000"/>
           </a:xfrm>
           <a:prstGeom prst="rect">
             <a:avLst/>
           </a:prstGeom>
           <a:solidFill>
-            <a:srgbClr val="002060"/>
+            <a:srgbClr val="003FBC"/>
           </a:solidFill>
           <a:ln>
             <a:noFill/>
@@ -4615,146 +4755,6 @@
           <a:p>
             <a:pPr algn="ctr"/>
             <a:endParaRPr lang="ko-KR" altLang="en-US"/>
-          </a:p>
-        </p:txBody>
-      </p:sp>
-      <p:sp>
-        <p:nvSpPr>
-          <p:cNvPr id="35" name="TextBox 34">
-            <a:extLst>
-              <a:ext uri="{FF2B5EF4-FFF2-40B4-BE49-F238E27FC236}">
-                <a16:creationId xmlns:a16="http://schemas.microsoft.com/office/drawing/2014/main" id="{22DEBD9F-BD21-4917-A2FC-8C351601751B}"/>
-              </a:ext>
-            </a:extLst>
-          </p:cNvPr>
-          <p:cNvSpPr txBox="1"/>
-          <p:nvPr/>
-        </p:nvSpPr>
-        <p:spPr>
-          <a:xfrm>
-            <a:off x="2909117" y="1036438"/>
-            <a:ext cx="2253539" cy="830997"/>
-          </a:xfrm>
-          <a:prstGeom prst="rect">
-            <a:avLst/>
-          </a:prstGeom>
-          <a:noFill/>
-        </p:spPr>
-        <p:txBody>
-          <a:bodyPr wrap="square" rtlCol="0">
-            <a:spAutoFit/>
-          </a:bodyPr>
-          <a:lstStyle/>
-          <a:p>
-            <a:pPr algn="ctr"/>
-            <a:r>
-              <a:rPr lang="ko-KR" altLang="en-US" sz="4800" b="1" spc="100" dirty="0">
-                <a:solidFill>
-                  <a:srgbClr val="003FBC"/>
-                </a:solidFill>
-                <a:latin typeface="나눔스퀘어 Bold" panose="020B0600000101010101" pitchFamily="50" charset="-127"/>
-                <a:ea typeface="나눔스퀘어 Bold" panose="020B0600000101010101" pitchFamily="50" charset="-127"/>
-              </a:rPr>
-              <a:t>목차</a:t>
-            </a:r>
-            <a:endParaRPr lang="ko-KR" altLang="en-US" sz="4800" b="1" spc="-100" dirty="0">
-              <a:solidFill>
-                <a:srgbClr val="003FBC"/>
-              </a:solidFill>
-              <a:latin typeface="나눔스퀘어 Bold" panose="020B0600000101010101" pitchFamily="50" charset="-127"/>
-              <a:ea typeface="나눔스퀘어 Bold" panose="020B0600000101010101" pitchFamily="50" charset="-127"/>
-            </a:endParaRPr>
-          </a:p>
-        </p:txBody>
-      </p:sp>
-      <p:cxnSp>
-        <p:nvCxnSpPr>
-          <p:cNvPr id="41" name="직선 연결선 40">
-            <a:extLst>
-              <a:ext uri="{FF2B5EF4-FFF2-40B4-BE49-F238E27FC236}">
-                <a16:creationId xmlns:a16="http://schemas.microsoft.com/office/drawing/2014/main" id="{0B31B36D-1D35-43CF-B9A4-9AA9CD798C2B}"/>
-              </a:ext>
-            </a:extLst>
-          </p:cNvPr>
-          <p:cNvCxnSpPr>
-            <a:cxnSpLocks/>
-          </p:cNvCxnSpPr>
-          <p:nvPr/>
-        </p:nvCxnSpPr>
-        <p:spPr>
-          <a:xfrm>
-            <a:off x="5247233" y="1036437"/>
-            <a:ext cx="29835" cy="4926708"/>
-          </a:xfrm>
-          <a:prstGeom prst="line">
-            <a:avLst/>
-          </a:prstGeom>
-          <a:ln>
-            <a:solidFill>
-              <a:schemeClr val="tx1"/>
-            </a:solidFill>
-          </a:ln>
-        </p:spPr>
-        <p:style>
-          <a:lnRef idx="1">
-            <a:schemeClr val="accent1"/>
-          </a:lnRef>
-          <a:fillRef idx="0">
-            <a:schemeClr val="accent1"/>
-          </a:fillRef>
-          <a:effectRef idx="0">
-            <a:schemeClr val="accent1"/>
-          </a:effectRef>
-          <a:fontRef idx="minor">
-            <a:schemeClr val="tx1"/>
-          </a:fontRef>
-        </p:style>
-      </p:cxnSp>
-      <p:sp>
-        <p:nvSpPr>
-          <p:cNvPr id="17" name="직사각형 16">
-            <a:extLst>
-              <a:ext uri="{FF2B5EF4-FFF2-40B4-BE49-F238E27FC236}">
-                <a16:creationId xmlns:a16="http://schemas.microsoft.com/office/drawing/2014/main" id="{ACA5E13B-4ADC-4C81-95A8-65A8C7BE519F}"/>
-              </a:ext>
-            </a:extLst>
-          </p:cNvPr>
-          <p:cNvSpPr/>
-          <p:nvPr/>
-        </p:nvSpPr>
-        <p:spPr>
-          <a:xfrm>
-            <a:off x="6440207" y="5406729"/>
-            <a:ext cx="3713987" cy="523220"/>
-          </a:xfrm>
-          <a:prstGeom prst="rect">
-            <a:avLst/>
-          </a:prstGeom>
-        </p:spPr>
-        <p:txBody>
-          <a:bodyPr wrap="square">
-            <a:spAutoFit/>
-          </a:bodyPr>
-          <a:lstStyle/>
-          <a:p>
-            <a:r>
-              <a:rPr lang="ko-KR" altLang="en-US" sz="2800" dirty="0" err="1">
-                <a:latin typeface="나눔스퀘어라운드 Light" panose="020B0600000101010101" pitchFamily="50" charset="-127"/>
-                <a:ea typeface="나눔스퀘어라운드 Light" panose="020B0600000101010101" pitchFamily="50" charset="-127"/>
-              </a:rPr>
-              <a:t>아트멜</a:t>
-            </a:r>
-            <a:r>
-              <a:rPr lang="ko-KR" altLang="en-US" sz="2800" dirty="0">
-                <a:latin typeface="나눔스퀘어라운드 Light" panose="020B0600000101010101" pitchFamily="50" charset="-127"/>
-                <a:ea typeface="나눔스퀘어라운드 Light" panose="020B0600000101010101" pitchFamily="50" charset="-127"/>
-              </a:rPr>
-              <a:t> 스튜디오 설치</a:t>
-            </a:r>
-            <a:endParaRPr lang="en-US" altLang="ko-KR" sz="2800" dirty="0">
-              <a:latin typeface="나눔스퀘어라운드 Light" panose="020B0600000101010101" pitchFamily="50" charset="-127"/>
-              <a:ea typeface="나눔스퀘어라운드 Light" panose="020B0600000101010101" pitchFamily="50" charset="-127"/>
-            </a:endParaRPr>
           </a:p>
         </p:txBody>
       </p:sp>
@@ -4818,14 +4818,24 @@
           <a:p>
             <a:pPr algn="ctr"/>
             <a:r>
-              <a:rPr lang="ko-KR" altLang="en-US" sz="4267" b="1" spc="-100" dirty="0" err="1">
+              <a:rPr lang="en-US" altLang="ko-KR" sz="4267" b="1" spc="-100" dirty="0" err="1" smtClean="0">
                 <a:solidFill>
                   <a:srgbClr val="003FBC"/>
                 </a:solidFill>
                 <a:latin typeface="나눔스퀘어 Bold" panose="020B0600000101010101" pitchFamily="50" charset="-127"/>
                 <a:ea typeface="나눔스퀘어 Bold" panose="020B0600000101010101" pitchFamily="50" charset="-127"/>
               </a:rPr>
-              <a:t>마이크로컨트롤러</a:t>
+              <a:t>Logicstic</a:t>
+            </a:r>
+            <a:r>
+              <a:rPr lang="en-US" altLang="ko-KR" sz="4267" b="1" spc="-100" dirty="0" smtClean="0">
+                <a:solidFill>
+                  <a:srgbClr val="003FBC"/>
+                </a:solidFill>
+                <a:latin typeface="나눔스퀘어 Bold" panose="020B0600000101010101" pitchFamily="50" charset="-127"/>
+                <a:ea typeface="나눔스퀘어 Bold" panose="020B0600000101010101" pitchFamily="50" charset="-127"/>
+              </a:rPr>
+              <a:t> Regression</a:t>
             </a:r>
             <a:endParaRPr lang="ko-KR" altLang="en-US" sz="4267" b="1" spc="-100" dirty="0">
               <a:solidFill>
@@ -4909,7 +4919,7 @@
           <a:p>
             <a:pPr algn="ctr"/>
             <a:r>
-              <a:rPr lang="en-US" altLang="ko-KR" sz="2400" dirty="0">
+              <a:rPr lang="en-US" altLang="ko-KR" sz="2400" dirty="0" smtClean="0">
                 <a:solidFill>
                   <a:schemeClr val="tx1">
                     <a:lumMod val="50000"/>
@@ -4919,7 +4929,7 @@
                 <a:latin typeface="나눔스퀘어" panose="020B0600000101010101" pitchFamily="50" charset="-127"/>
                 <a:ea typeface="나눔스퀘어" panose="020B0600000101010101" pitchFamily="50" charset="-127"/>
               </a:rPr>
-              <a:t>EMBEDDED</a:t>
+              <a:t>AI</a:t>
             </a:r>
             <a:endParaRPr lang="ko-KR" altLang="en-US" sz="2400" dirty="0">
               <a:solidFill>
@@ -4975,7 +4985,7 @@
     </p:spTree>
     <p:extLst>
       <p:ext uri="{BB962C8B-B14F-4D97-AF65-F5344CB8AC3E}">
-        <p14:creationId xmlns:p14="http://schemas.microsoft.com/office/powerpoint/2010/main" val="1948740689"/>
+        <p14:creationId xmlns:p14="http://schemas.microsoft.com/office/powerpoint/2010/main" val="1787716460"/>
       </p:ext>
     </p:extLst>
   </p:cSld>
@@ -5224,7 +5234,7 @@
                 <a:solidFill>
                   <a:srgbClr val="003FBC"/>
                 </a:solidFill>
-                <a:latin typeface="Exo 2 Semi Bold" panose="00000700000000000000" pitchFamily="50" charset="0"/>
+                <a:latin typeface="Exo 2 SemiBold" pitchFamily="2" charset="0"/>
                 <a:ea typeface="나눔스퀘어 Light" panose="020B0600000101010101" pitchFamily="50" charset="-127"/>
               </a:rPr>
               <a:t>Thank You</a:t>
@@ -5233,7 +5243,7 @@
               <a:solidFill>
                 <a:srgbClr val="003FBC"/>
               </a:solidFill>
-              <a:latin typeface="Exo 2 Semi Bold" panose="00000700000000000000" pitchFamily="50" charset="0"/>
+              <a:latin typeface="Exo 2 SemiBold" pitchFamily="2" charset="0"/>
               <a:ea typeface="나눔스퀘어 Light" panose="020B0600000101010101" pitchFamily="50" charset="-127"/>
             </a:endParaRPr>
           </a:p>
